--- a/PM/产品经理需求文档模版/产品经理的常用文档/201004 产品路标规划实例.pptx
+++ b/PM/产品经理需求文档模版/产品经理的常用文档/201004 产品路标规划实例.pptx
@@ -107,6 +107,22 @@
       </a:defRPr>
     </a:lvl9pPr>
   </p:defaultTextStyle>
+  <p:extLst>
+    <p:ext uri="{EFAFB233-063F-42B5-8137-9DF3F51BA10A}">
+      <p15:sldGuideLst xmlns:p15="http://schemas.microsoft.com/office/powerpoint/2012/main">
+        <p15:guide id="1" orient="horz" pos="2160">
+          <p15:clr>
+            <a:srgbClr val="A4A3A4"/>
+          </p15:clr>
+        </p15:guide>
+        <p15:guide id="2" pos="2880">
+          <p15:clr>
+            <a:srgbClr val="A4A3A4"/>
+          </p15:clr>
+        </p15:guide>
+      </p15:sldGuideLst>
+    </p:ext>
+  </p:extLst>
 </p:presentation>
 </file>
 
@@ -192,7 +208,7 @@
           <a:p>
             <a:fld id="{EE18FE99-6731-4730-96C9-5E4C7CE92A3B}" type="datetimeFigureOut">
               <a:rPr lang="zh-CN" altLang="en-US" smtClean="0"/>
-              <a:t>2010-4-5</a:t>
+              <a:t>2016/1/19 Tuesday</a:t>
             </a:fld>
             <a:endParaRPr lang="zh-CN" altLang="en-US"/>
           </a:p>
@@ -360,6 +376,11 @@
         </p:txBody>
       </p:sp>
     </p:spTree>
+    <p:extLst>
+      <p:ext uri="{BB962C8B-B14F-4D97-AF65-F5344CB8AC3E}">
+        <p14:creationId xmlns:p14="http://schemas.microsoft.com/office/powerpoint/2010/main" val="3346048684"/>
+      </p:ext>
+    </p:extLst>
   </p:cSld>
   <p:clrMap bg1="lt1" tx1="dk1" bg2="lt2" tx2="dk2" accent1="accent1" accent2="accent2" accent3="accent3" accent4="accent4" accent5="accent5" accent6="accent6" hlink="hlink" folHlink="folHlink"/>
   <p:notesStyle>
@@ -638,7 +659,7 @@
           <a:p>
             <a:fld id="{204845F9-21D9-4EA8-8060-161FA390AEA7}" type="datetime1">
               <a:rPr lang="zh-CN" altLang="en-US" smtClean="0"/>
-              <a:t>2010-4-5</a:t>
+              <a:t>2016/1/19 Tuesday</a:t>
             </a:fld>
             <a:endParaRPr lang="zh-CN" altLang="en-US"/>
           </a:p>
@@ -824,7 +845,7 @@
           <a:p>
             <a:fld id="{A89DBCB8-6DA1-4A84-A660-A443C17628B6}" type="datetime1">
               <a:rPr lang="zh-CN" altLang="en-US" smtClean="0"/>
-              <a:t>2010-4-5</a:t>
+              <a:t>2016/1/19 Tuesday</a:t>
             </a:fld>
             <a:endParaRPr lang="zh-CN" altLang="en-US"/>
           </a:p>
@@ -1020,7 +1041,7 @@
           <a:p>
             <a:fld id="{79162EBB-9F1B-4B67-80C2-8E87D0413C3E}" type="datetime1">
               <a:rPr lang="zh-CN" altLang="en-US" smtClean="0"/>
-              <a:t>2010-4-5</a:t>
+              <a:t>2016/1/19 Tuesday</a:t>
             </a:fld>
             <a:endParaRPr lang="zh-CN" altLang="en-US"/>
           </a:p>
@@ -1206,7 +1227,7 @@
           <a:p>
             <a:fld id="{37E1EFCB-8608-4978-A6C2-1C121AB7452A}" type="datetime1">
               <a:rPr lang="zh-CN" altLang="en-US" smtClean="0"/>
-              <a:t>2010-4-5</a:t>
+              <a:t>2016/1/19 Tuesday</a:t>
             </a:fld>
             <a:endParaRPr lang="zh-CN" altLang="en-US"/>
           </a:p>
@@ -1468,7 +1489,7 @@
           <a:p>
             <a:fld id="{39194AF6-7F73-4118-ACA7-61D7EEB70CEA}" type="datetime1">
               <a:rPr lang="zh-CN" altLang="en-US" smtClean="0"/>
-              <a:t>2010-4-5</a:t>
+              <a:t>2016/1/19 Tuesday</a:t>
             </a:fld>
             <a:endParaRPr lang="zh-CN" altLang="en-US"/>
           </a:p>
@@ -1772,7 +1793,7 @@
           <a:p>
             <a:fld id="{2F21504D-6D08-46CD-B968-35DA59BDC3B6}" type="datetime1">
               <a:rPr lang="zh-CN" altLang="en-US" smtClean="0"/>
-              <a:t>2010-4-5</a:t>
+              <a:t>2016/1/19 Tuesday</a:t>
             </a:fld>
             <a:endParaRPr lang="zh-CN" altLang="en-US"/>
           </a:p>
@@ -2210,7 +2231,7 @@
           <a:p>
             <a:fld id="{1355AC9E-E371-44E5-B494-8FC38CD063D4}" type="datetime1">
               <a:rPr lang="zh-CN" altLang="en-US" smtClean="0"/>
-              <a:t>2010-4-5</a:t>
+              <a:t>2016/1/19 Tuesday</a:t>
             </a:fld>
             <a:endParaRPr lang="zh-CN" altLang="en-US"/>
           </a:p>
@@ -2344,7 +2365,7 @@
           <a:p>
             <a:fld id="{42D31159-9B49-4DA3-97CD-F00C9B43FB1C}" type="datetime1">
               <a:rPr lang="zh-CN" altLang="en-US" smtClean="0"/>
-              <a:t>2010-4-5</a:t>
+              <a:t>2016/1/19 Tuesday</a:t>
             </a:fld>
             <a:endParaRPr lang="zh-CN" altLang="en-US"/>
           </a:p>
@@ -2455,7 +2476,7 @@
           <a:p>
             <a:fld id="{6C6FF8ED-E4DB-465B-990B-87DCD1B5C179}" type="datetime1">
               <a:rPr lang="zh-CN" altLang="en-US" smtClean="0"/>
-              <a:t>2010-4-5</a:t>
+              <a:t>2016/1/19 Tuesday</a:t>
             </a:fld>
             <a:endParaRPr lang="zh-CN" altLang="en-US"/>
           </a:p>
@@ -2748,7 +2769,7 @@
           <a:p>
             <a:fld id="{E684C902-8865-4B7A-9019-559F2439F6C9}" type="datetime1">
               <a:rPr lang="zh-CN" altLang="en-US" smtClean="0"/>
-              <a:t>2010-4-5</a:t>
+              <a:t>2016/1/19 Tuesday</a:t>
             </a:fld>
             <a:endParaRPr lang="zh-CN" altLang="en-US"/>
           </a:p>
@@ -3017,7 +3038,7 @@
           <a:p>
             <a:fld id="{CAA03508-E43C-4270-A592-957A156C7CDD}" type="datetime1">
               <a:rPr lang="zh-CN" altLang="en-US" smtClean="0"/>
-              <a:t>2010-4-5</a:t>
+              <a:t>2016/1/19 Tuesday</a:t>
             </a:fld>
             <a:endParaRPr lang="zh-CN" altLang="en-US"/>
           </a:p>
@@ -3246,7 +3267,7 @@
           <a:p>
             <a:fld id="{7C222FF4-060D-4ECD-A392-5D6B9E617D85}" type="datetime1">
               <a:rPr lang="zh-CN" altLang="en-US" smtClean="0"/>
-              <a:t>2010-4-5</a:t>
+              <a:t>2016/1/19 Tuesday</a:t>
             </a:fld>
             <a:endParaRPr lang="zh-CN" altLang="en-US"/>
           </a:p>
@@ -5099,7 +5120,7 @@
           <a:p>
             <a:fld id="{DB9ACAB2-94D2-420A-AC27-BFD4F7239B56}" type="datetime1">
               <a:rPr lang="zh-CN" altLang="en-US" smtClean="0"/>
-              <a:t>2010-4-5</a:t>
+              <a:t>2016/1/19 Tuesday</a:t>
             </a:fld>
             <a:endParaRPr lang="zh-CN" altLang="en-US"/>
           </a:p>
@@ -5134,55 +5155,18 @@
           </a:p>
         </p:txBody>
       </p:sp>
-      <p:sp>
-        <p:nvSpPr>
-          <p:cNvPr id="33" name="页脚占位符 32"/>
-          <p:cNvSpPr>
-            <a:spLocks noGrp="1"/>
-          </p:cNvSpPr>
-          <p:nvPr>
-            <p:ph type="ftr" sz="quarter" idx="11"/>
-          </p:nvPr>
-        </p:nvSpPr>
-        <p:spPr>
-          <a:xfrm>
-            <a:off x="3124200" y="6356352"/>
-            <a:ext cx="3805254" cy="365125"/>
-          </a:xfrm>
-        </p:spPr>
-        <p:txBody>
-          <a:bodyPr/>
-          <a:lstStyle/>
-          <a:p>
-            <a:r>
-              <a:rPr lang="en-US" altLang="zh-CN" dirty="0" smtClean="0"/>
-              <a:t>《</a:t>
-            </a:r>
-            <a:r>
-              <a:rPr lang="zh-CN" altLang="en-US" dirty="0" smtClean="0"/>
-              <a:t>人人都是产品经理</a:t>
-            </a:r>
-            <a:r>
-              <a:rPr lang="en-US" altLang="zh-CN" dirty="0" smtClean="0"/>
-              <a:t>》</a:t>
-            </a:r>
-            <a:r>
-              <a:rPr lang="zh-CN" altLang="en-US" dirty="0" smtClean="0"/>
-              <a:t>同名博客：</a:t>
-            </a:r>
-            <a:r>
-              <a:rPr lang="en-US" altLang="zh-CN" dirty="0" smtClean="0"/>
-              <a:t>iamsujie.com</a:t>
-            </a:r>
-            <a:endParaRPr lang="zh-CN" altLang="en-US" dirty="0"/>
-          </a:p>
-        </p:txBody>
-      </p:sp>
     </p:spTree>
   </p:cSld>
   <p:clrMapOvr>
     <a:masterClrMapping/>
   </p:clrMapOvr>
+  <p:timing>
+    <p:tnLst>
+      <p:par>
+        <p:cTn id="1" dur="indefinite" restart="never" nodeType="tmRoot"/>
+      </p:par>
+    </p:tnLst>
+  </p:timing>
 </p:sld>
 </file>
 
